--- a/06/CLASS 6 - CV.pptx
+++ b/06/CLASS 6 - CV.pptx
@@ -6,9 +6,9 @@
   </p:sldMasterIdLst>
   <p:sldIdLst>
     <p:sldId id="256" r:id="rId3"/>
-    <p:sldId id="280" r:id="rId4"/>
-    <p:sldId id="269" r:id="rId5"/>
-    <p:sldId id="266" r:id="rId6"/>
+    <p:sldId id="266" r:id="rId4"/>
+    <p:sldId id="280" r:id="rId5"/>
+    <p:sldId id="269" r:id="rId6"/>
     <p:sldId id="268" r:id="rId7"/>
     <p:sldId id="271" r:id="rId8"/>
     <p:sldId id="270" r:id="rId9"/>
@@ -3041,7 +3041,7 @@
         </p:blipFill>
         <p:spPr>
           <a:xfrm>
-            <a:off x="1572260" y="930275"/>
+            <a:off x="1562735" y="930275"/>
             <a:ext cx="8575675" cy="5768340"/>
           </a:xfrm>
           <a:prstGeom prst="rect">
@@ -3079,13 +3079,128 @@
         </p:nvSpPr>
         <p:spPr/>
         <p:txBody>
-          <a:bodyPr/>
-          <a:p>
-            <a:r>
-              <a:rPr lang="" altLang="en-GB"/>
+          <a:bodyPr>
+            <a:normAutofit fontScale="90000"/>
+          </a:bodyPr>
+          <a:p>
+            <a:r>
+              <a:rPr lang="en-US" altLang="en-GB" b="1"/>
+              <a:t>Convnets - </a:t>
+            </a:r>
+            <a:br>
+              <a:rPr lang="en-US" altLang="en-GB" b="1"/>
+            </a:br>
+            <a:r>
+              <a:rPr lang="en-US" altLang="en-GB" b="1" i="1"/>
+              <a:t>Primary Element of CV using Deep Learning</a:t>
+            </a:r>
+            <a:endParaRPr lang="en-US" altLang="en-GB" b="1" i="1"/>
+          </a:p>
+        </p:txBody>
+      </p:sp>
+      <p:sp>
+        <p:nvSpPr>
+          <p:cNvPr id="3" name="Content Placeholder 2"/>
+          <p:cNvSpPr>
+            <a:spLocks noGrp="1"/>
+          </p:cNvSpPr>
+          <p:nvPr>
+            <p:ph idx="1"/>
+          </p:nvPr>
+        </p:nvSpPr>
+        <p:spPr/>
+        <p:txBody>
+          <a:bodyPr>
+            <a:normAutofit fontScale="90000" lnSpcReduction="20000"/>
+          </a:bodyPr>
+          <a:p>
+            <a:r>
+              <a:rPr lang="en-US" altLang="en-GB"/>
+              <a:t>Convnets: Models built using Convolution Layers </a:t>
+            </a:r>
+            <a:endParaRPr lang="en-US" altLang="en-GB"/>
+          </a:p>
+          <a:p>
+            <a:r>
+              <a:rPr lang="en-US" altLang="en-GB"/>
+              <a:t>Convolution: A mathematical concept which involved CONVOLVING of one matrix with an other matrix. (also applicable to Tensors.)</a:t>
+            </a:r>
+            <a:endParaRPr lang="en-US" altLang="en-GB"/>
+          </a:p>
+          <a:p>
+            <a:r>
+              <a:rPr lang="en-US" altLang="en-GB" b="1"/>
+              <a:t>Why CONVNETS</a:t>
+            </a:r>
+            <a:br>
+              <a:rPr lang="en-US" altLang="en-GB" b="1"/>
+            </a:br>
+            <a:r>
+              <a:rPr lang="en-US" altLang="en-GB"/>
+              <a:t>As we have seen in minist dataset, there were 784 features in the input layer. Imagin if an image is 225 x 225 x 3, it would equate to 151,875.</a:t>
+            </a:r>
+            <a:endParaRPr lang="en-US" altLang="en-GB"/>
+          </a:p>
+          <a:p>
+            <a:r>
+              <a:rPr lang="en-US" altLang="en-GB"/>
+              <a:t>Again imagin the number of weights if the model contains only one hidden layer of 1024 size ... makies whooping 155.5 Million parameters in just a single hidden layerd model.</a:t>
+            </a:r>
+            <a:endParaRPr lang="en-US" altLang="en-GB"/>
+          </a:p>
+          <a:p>
+            <a:r>
+              <a:rPr lang="en-US" altLang="en-GB"/>
+              <a:t>--Thats too much for computer resources, while the model would not be able to do something appreceable.</a:t>
+            </a:r>
+            <a:endParaRPr lang="en-US" altLang="en-GB"/>
+          </a:p>
+          <a:p>
+            <a:r>
+              <a:rPr lang="en-US" altLang="en-GB"/>
+              <a:t>So Convnets came to rescue and paved the way for success of Deep Learning starting off with 2013-2015 ILSCVR competitions.</a:t>
+            </a:r>
+            <a:endParaRPr lang="en-US" altLang="en-GB"/>
+          </a:p>
+        </p:txBody>
+      </p:sp>
+    </p:spTree>
+  </p:cSld>
+  <p:clrMapOvr>
+    <a:masterClrMapping/>
+  </p:clrMapOvr>
+</p:sld>
+</file>
+
+<file path=ppt/slides/slide3.xml><?xml version="1.0" encoding="utf-8"?>
+<p:sld xmlns:a="http://schemas.openxmlformats.org/drawingml/2006/main" xmlns:r="http://schemas.openxmlformats.org/officeDocument/2006/relationships" xmlns:p="http://schemas.openxmlformats.org/presentationml/2006/main">
+  <p:cSld>
+    <p:spTree>
+      <p:nvGrpSpPr>
+        <p:cNvPr id="1" name=""/>
+        <p:cNvGrpSpPr/>
+        <p:nvPr/>
+      </p:nvGrpSpPr>
+      <p:grpSpPr/>
+      <p:sp>
+        <p:nvSpPr>
+          <p:cNvPr id="2" name="Title 1"/>
+          <p:cNvSpPr>
+            <a:spLocks noGrp="1"/>
+          </p:cNvSpPr>
+          <p:nvPr>
+            <p:ph type="title"/>
+          </p:nvPr>
+        </p:nvSpPr>
+        <p:spPr/>
+        <p:txBody>
+          <a:bodyPr/>
+          <a:p>
+            <a:r>
+              <a:rPr lang="en-US" altLang="en-GB"/>
               <a:t>Padding</a:t>
             </a:r>
-            <a:endParaRPr lang="" altLang="en-GB"/>
+            <a:endParaRPr lang="en-US" altLang="en-GB"/>
           </a:p>
         </p:txBody>
       </p:sp>
@@ -3123,7 +3238,7 @@
 </p:sld>
 </file>
 
-<file path=ppt/slides/slide3.xml><?xml version="1.0" encoding="utf-8"?>
+<file path=ppt/slides/slide4.xml><?xml version="1.0" encoding="utf-8"?>
 <p:sld xmlns:a="http://schemas.openxmlformats.org/drawingml/2006/main" xmlns:r="http://schemas.openxmlformats.org/officeDocument/2006/relationships" xmlns:p="http://schemas.openxmlformats.org/presentationml/2006/main">
   <p:cSld>
     <p:spTree>
@@ -3181,121 +3296,6 @@
           </a:prstGeom>
         </p:spPr>
       </p:pic>
-    </p:spTree>
-  </p:cSld>
-  <p:clrMapOvr>
-    <a:masterClrMapping/>
-  </p:clrMapOvr>
-</p:sld>
-</file>
-
-<file path=ppt/slides/slide4.xml><?xml version="1.0" encoding="utf-8"?>
-<p:sld xmlns:a="http://schemas.openxmlformats.org/drawingml/2006/main" xmlns:r="http://schemas.openxmlformats.org/officeDocument/2006/relationships" xmlns:p="http://schemas.openxmlformats.org/presentationml/2006/main">
-  <p:cSld>
-    <p:spTree>
-      <p:nvGrpSpPr>
-        <p:cNvPr id="1" name=""/>
-        <p:cNvGrpSpPr/>
-        <p:nvPr/>
-      </p:nvGrpSpPr>
-      <p:grpSpPr/>
-      <p:sp>
-        <p:nvSpPr>
-          <p:cNvPr id="2" name="Title 1"/>
-          <p:cNvSpPr>
-            <a:spLocks noGrp="1"/>
-          </p:cNvSpPr>
-          <p:nvPr>
-            <p:ph type="title"/>
-          </p:nvPr>
-        </p:nvSpPr>
-        <p:spPr/>
-        <p:txBody>
-          <a:bodyPr>
-            <a:normAutofit fontScale="90000"/>
-          </a:bodyPr>
-          <a:p>
-            <a:r>
-              <a:rPr lang="en-US" altLang="en-GB" b="1"/>
-              <a:t>Convnets - </a:t>
-            </a:r>
-            <a:br>
-              <a:rPr lang="en-US" altLang="en-GB" b="1"/>
-            </a:br>
-            <a:r>
-              <a:rPr lang="en-US" altLang="en-GB" b="1" i="1"/>
-              <a:t>Primary Element of CV using Deep Learning</a:t>
-            </a:r>
-            <a:endParaRPr lang="en-US" altLang="en-GB" b="1" i="1"/>
-          </a:p>
-        </p:txBody>
-      </p:sp>
-      <p:sp>
-        <p:nvSpPr>
-          <p:cNvPr id="3" name="Content Placeholder 2"/>
-          <p:cNvSpPr>
-            <a:spLocks noGrp="1"/>
-          </p:cNvSpPr>
-          <p:nvPr>
-            <p:ph idx="1"/>
-          </p:nvPr>
-        </p:nvSpPr>
-        <p:spPr/>
-        <p:txBody>
-          <a:bodyPr>
-            <a:normAutofit fontScale="90000" lnSpcReduction="20000"/>
-          </a:bodyPr>
-          <a:p>
-            <a:r>
-              <a:rPr lang="en-US" altLang="en-GB"/>
-              <a:t>Convnets: Models built using Convolution Layers </a:t>
-            </a:r>
-            <a:endParaRPr lang="en-US" altLang="en-GB"/>
-          </a:p>
-          <a:p>
-            <a:r>
-              <a:rPr lang="en-US" altLang="en-GB"/>
-              <a:t>Convolution: A mathematical concept which involved CONVOLVING of one matrix with an other matrix. (also applicable to Tensors.)</a:t>
-            </a:r>
-            <a:endParaRPr lang="en-US" altLang="en-GB"/>
-          </a:p>
-          <a:p>
-            <a:r>
-              <a:rPr lang="en-US" altLang="en-GB" b="1"/>
-              <a:t>Why CONVNETS</a:t>
-            </a:r>
-            <a:br>
-              <a:rPr lang="en-US" altLang="en-GB" b="1"/>
-            </a:br>
-            <a:r>
-              <a:rPr lang="en-US" altLang="en-GB"/>
-              <a:t>As we have seen in minist dataset, there were 784 features in the input layer. Imagin if an image is 225 x 225 x 3, it would equate to 151,875.</a:t>
-            </a:r>
-            <a:endParaRPr lang="en-US" altLang="en-GB"/>
-          </a:p>
-          <a:p>
-            <a:r>
-              <a:rPr lang="en-US" altLang="en-GB"/>
-              <a:t>Again imagin the number of weights if the model contains only one hidden layer of 1024 size ... makies whooping 155.5 Million parameters in just a single hidden layerd model.</a:t>
-            </a:r>
-            <a:endParaRPr lang="en-US" altLang="en-GB"/>
-          </a:p>
-          <a:p>
-            <a:r>
-              <a:rPr lang="en-US" altLang="en-GB"/>
-              <a:t>--Thats too much for computer resources, while the model would not be able to do something appreceable.</a:t>
-            </a:r>
-            <a:endParaRPr lang="en-US" altLang="en-GB"/>
-          </a:p>
-          <a:p>
-            <a:r>
-              <a:rPr lang="en-US" altLang="en-GB"/>
-              <a:t>So Convnets came to rescue and paved the way for success of Deep Learning starting off with 2013-2015 ILSCVR competitions.</a:t>
-            </a:r>
-            <a:endParaRPr lang="en-US" altLang="en-GB"/>
-          </a:p>
-        </p:txBody>
-      </p:sp>
     </p:spTree>
   </p:cSld>
   <p:clrMapOvr>
@@ -3377,7 +3377,7 @@
               <a:t>Concept of </a:t>
             </a:r>
             <a:r>
-              <a:rPr lang="" altLang="en-US"/>
+              <a:rPr lang="en-US" altLang="en-US"/>
               <a:t>Convolution </a:t>
             </a:r>
             <a:r>
